--- a/doc/image_compressor.pptx
+++ b/doc/image_compressor.pptx
@@ -6,6 +6,7 @@
   </p:sldMasterIdLst>
   <p:sldIdLst>
     <p:sldId id="256" r:id="rId2"/>
+    <p:sldId id="257" r:id="rId3"/>
   </p:sldIdLst>
   <p:sldSz cx="9144000" cy="6858000" type="screen4x3"/>
   <p:notesSz cx="6858000" cy="9144000"/>
@@ -243,7 +244,7 @@
           <a:p>
             <a:fld id="{4E016455-A17B-40E5-9EF1-35ACA378BF78}" type="datetimeFigureOut">
               <a:rPr lang="en-US" smtClean="0"/>
-              <a:t>3/28/2021</a:t>
+              <a:t>3/29/2021</a:t>
             </a:fld>
             <a:endParaRPr lang="en-US"/>
           </a:p>
@@ -413,7 +414,7 @@
           <a:p>
             <a:fld id="{4E016455-A17B-40E5-9EF1-35ACA378BF78}" type="datetimeFigureOut">
               <a:rPr lang="en-US" smtClean="0"/>
-              <a:t>3/28/2021</a:t>
+              <a:t>3/29/2021</a:t>
             </a:fld>
             <a:endParaRPr lang="en-US"/>
           </a:p>
@@ -593,7 +594,7 @@
           <a:p>
             <a:fld id="{4E016455-A17B-40E5-9EF1-35ACA378BF78}" type="datetimeFigureOut">
               <a:rPr lang="en-US" smtClean="0"/>
-              <a:t>3/28/2021</a:t>
+              <a:t>3/29/2021</a:t>
             </a:fld>
             <a:endParaRPr lang="en-US"/>
           </a:p>
@@ -763,7 +764,7 @@
           <a:p>
             <a:fld id="{4E016455-A17B-40E5-9EF1-35ACA378BF78}" type="datetimeFigureOut">
               <a:rPr lang="en-US" smtClean="0"/>
-              <a:t>3/28/2021</a:t>
+              <a:t>3/29/2021</a:t>
             </a:fld>
             <a:endParaRPr lang="en-US"/>
           </a:p>
@@ -1007,7 +1008,7 @@
           <a:p>
             <a:fld id="{4E016455-A17B-40E5-9EF1-35ACA378BF78}" type="datetimeFigureOut">
               <a:rPr lang="en-US" smtClean="0"/>
-              <a:t>3/28/2021</a:t>
+              <a:t>3/29/2021</a:t>
             </a:fld>
             <a:endParaRPr lang="en-US"/>
           </a:p>
@@ -1239,7 +1240,7 @@
           <a:p>
             <a:fld id="{4E016455-A17B-40E5-9EF1-35ACA378BF78}" type="datetimeFigureOut">
               <a:rPr lang="en-US" smtClean="0"/>
-              <a:t>3/28/2021</a:t>
+              <a:t>3/29/2021</a:t>
             </a:fld>
             <a:endParaRPr lang="en-US"/>
           </a:p>
@@ -1606,7 +1607,7 @@
           <a:p>
             <a:fld id="{4E016455-A17B-40E5-9EF1-35ACA378BF78}" type="datetimeFigureOut">
               <a:rPr lang="en-US" smtClean="0"/>
-              <a:t>3/28/2021</a:t>
+              <a:t>3/29/2021</a:t>
             </a:fld>
             <a:endParaRPr lang="en-US"/>
           </a:p>
@@ -1724,7 +1725,7 @@
           <a:p>
             <a:fld id="{4E016455-A17B-40E5-9EF1-35ACA378BF78}" type="datetimeFigureOut">
               <a:rPr lang="en-US" smtClean="0"/>
-              <a:t>3/28/2021</a:t>
+              <a:t>3/29/2021</a:t>
             </a:fld>
             <a:endParaRPr lang="en-US"/>
           </a:p>
@@ -1819,7 +1820,7 @@
           <a:p>
             <a:fld id="{4E016455-A17B-40E5-9EF1-35ACA378BF78}" type="datetimeFigureOut">
               <a:rPr lang="en-US" smtClean="0"/>
-              <a:t>3/28/2021</a:t>
+              <a:t>3/29/2021</a:t>
             </a:fld>
             <a:endParaRPr lang="en-US"/>
           </a:p>
@@ -2096,7 +2097,7 @@
           <a:p>
             <a:fld id="{4E016455-A17B-40E5-9EF1-35ACA378BF78}" type="datetimeFigureOut">
               <a:rPr lang="en-US" smtClean="0"/>
-              <a:t>3/28/2021</a:t>
+              <a:t>3/29/2021</a:t>
             </a:fld>
             <a:endParaRPr lang="en-US"/>
           </a:p>
@@ -2353,7 +2354,7 @@
           <a:p>
             <a:fld id="{4E016455-A17B-40E5-9EF1-35ACA378BF78}" type="datetimeFigureOut">
               <a:rPr lang="en-US" smtClean="0"/>
-              <a:t>3/28/2021</a:t>
+              <a:t>3/29/2021</a:t>
             </a:fld>
             <a:endParaRPr lang="en-US"/>
           </a:p>
@@ -2566,7 +2567,7 @@
           <a:p>
             <a:fld id="{4E016455-A17B-40E5-9EF1-35ACA378BF78}" type="datetimeFigureOut">
               <a:rPr lang="en-US" smtClean="0"/>
-              <a:t>3/28/2021</a:t>
+              <a:t>3/29/2021</a:t>
             </a:fld>
             <a:endParaRPr lang="en-US"/>
           </a:p>
@@ -3490,6 +3491,190 @@
 </p:sld>
 </file>
 
+<file path=ppt/slides/slide2.xml><?xml version="1.0" encoding="utf-8"?>
+<p:sld xmlns:a="http://schemas.openxmlformats.org/drawingml/2006/main" xmlns:r="http://schemas.openxmlformats.org/officeDocument/2006/relationships" xmlns:p="http://schemas.openxmlformats.org/presentationml/2006/main">
+  <p:cSld>
+    <p:spTree>
+      <p:nvGrpSpPr>
+        <p:cNvPr id="1" name=""/>
+        <p:cNvGrpSpPr/>
+        <p:nvPr/>
+      </p:nvGrpSpPr>
+      <p:grpSpPr>
+        <a:xfrm>
+          <a:off x="0" y="0"/>
+          <a:ext cx="0" cy="0"/>
+          <a:chOff x="0" y="0"/>
+          <a:chExt cx="0" cy="0"/>
+        </a:xfrm>
+      </p:grpSpPr>
+      <p:pic>
+        <p:nvPicPr>
+          <p:cNvPr id="2" name="Picture 1"/>
+          <p:cNvPicPr>
+            <a:picLocks noChangeAspect="1"/>
+          </p:cNvPicPr>
+          <p:nvPr/>
+        </p:nvPicPr>
+        <p:blipFill>
+          <a:blip r:embed="rId2" cstate="print">
+            <a:extLst>
+              <a:ext uri="{28A0092B-C50C-407E-A947-70E740481C1C}">
+                <a14:useLocalDpi xmlns:a14="http://schemas.microsoft.com/office/drawing/2010/main" val="0"/>
+              </a:ext>
+            </a:extLst>
+          </a:blip>
+          <a:stretch>
+            <a:fillRect/>
+          </a:stretch>
+        </p:blipFill>
+        <p:spPr>
+          <a:xfrm>
+            <a:off x="345280" y="3518737"/>
+            <a:ext cx="5240748" cy="3017520"/>
+          </a:xfrm>
+          <a:prstGeom prst="rect">
+            <a:avLst/>
+          </a:prstGeom>
+        </p:spPr>
+      </p:pic>
+      <p:pic>
+        <p:nvPicPr>
+          <p:cNvPr id="3" name="Picture 2"/>
+          <p:cNvPicPr>
+            <a:picLocks noChangeAspect="1"/>
+          </p:cNvPicPr>
+          <p:nvPr/>
+        </p:nvPicPr>
+        <p:blipFill>
+          <a:blip r:embed="rId3">
+            <a:extLst>
+              <a:ext uri="{28A0092B-C50C-407E-A947-70E740481C1C}">
+                <a14:useLocalDpi xmlns:a14="http://schemas.microsoft.com/office/drawing/2010/main" val="0"/>
+              </a:ext>
+            </a:extLst>
+          </a:blip>
+          <a:stretch>
+            <a:fillRect/>
+          </a:stretch>
+        </p:blipFill>
+        <p:spPr>
+          <a:xfrm>
+            <a:off x="2965654" y="309490"/>
+            <a:ext cx="6052766" cy="3017520"/>
+          </a:xfrm>
+          <a:prstGeom prst="rect">
+            <a:avLst/>
+          </a:prstGeom>
+          <a:ln>
+            <a:solidFill>
+              <a:schemeClr val="tx1"/>
+            </a:solidFill>
+          </a:ln>
+        </p:spPr>
+      </p:pic>
+      <p:sp>
+        <p:nvSpPr>
+          <p:cNvPr id="4" name="TextBox 3"/>
+          <p:cNvSpPr txBox="1"/>
+          <p:nvPr/>
+        </p:nvSpPr>
+        <p:spPr>
+          <a:xfrm>
+            <a:off x="345280" y="1633584"/>
+            <a:ext cx="2552365" cy="369332"/>
+          </a:xfrm>
+          <a:prstGeom prst="rect">
+            <a:avLst/>
+          </a:prstGeom>
+          <a:noFill/>
+        </p:spPr>
+        <p:txBody>
+          <a:bodyPr wrap="none" rtlCol="0">
+            <a:spAutoFit/>
+          </a:bodyPr>
+          <a:lstStyle/>
+          <a:p>
+            <a:pPr algn="ctr"/>
+            <a:r>
+              <a:rPr lang="en-US" dirty="0" smtClean="0"/>
+              <a:t>The MSE and PSNR graph</a:t>
+            </a:r>
+            <a:endParaRPr lang="en-US" dirty="0"/>
+          </a:p>
+        </p:txBody>
+      </p:sp>
+      <p:sp>
+        <p:nvSpPr>
+          <p:cNvPr id="5" name="TextBox 4"/>
+          <p:cNvSpPr txBox="1"/>
+          <p:nvPr/>
+        </p:nvSpPr>
+        <p:spPr>
+          <a:xfrm>
+            <a:off x="5992037" y="4842831"/>
+            <a:ext cx="2179828" cy="369332"/>
+          </a:xfrm>
+          <a:prstGeom prst="rect">
+            <a:avLst/>
+          </a:prstGeom>
+          <a:noFill/>
+        </p:spPr>
+        <p:txBody>
+          <a:bodyPr wrap="none" rtlCol="0">
+            <a:spAutoFit/>
+          </a:bodyPr>
+          <a:lstStyle/>
+          <a:p>
+            <a:pPr algn="ctr"/>
+            <a:r>
+              <a:rPr lang="en-US" dirty="0" smtClean="0">
+                <a:latin typeface="Calibri" panose="020F0502020204030204" pitchFamily="34" charset="0"/>
+                <a:cs typeface="Calibri" panose="020F0502020204030204" pitchFamily="34" charset="0"/>
+              </a:rPr>
+              <a:t>Our</a:t>
+            </a:r>
+            <a:r>
+              <a:rPr lang="vi-VN" dirty="0" smtClean="0">
+                <a:latin typeface="Calibri" panose="020F0502020204030204" pitchFamily="34" charset="0"/>
+                <a:cs typeface="Calibri" panose="020F0502020204030204" pitchFamily="34" charset="0"/>
+              </a:rPr>
+              <a:t> display interface</a:t>
+            </a:r>
+            <a:r>
+              <a:rPr lang="en-US" dirty="0" smtClean="0">
+                <a:latin typeface="Calibri" panose="020F0502020204030204" pitchFamily="34" charset="0"/>
+                <a:cs typeface="Calibri" panose="020F0502020204030204" pitchFamily="34" charset="0"/>
+              </a:rPr>
+              <a:t> </a:t>
+            </a:r>
+            <a:endParaRPr lang="en-US" dirty="0">
+              <a:latin typeface="Calibri" panose="020F0502020204030204" pitchFamily="34" charset="0"/>
+              <a:cs typeface="Calibri" panose="020F0502020204030204" pitchFamily="34" charset="0"/>
+            </a:endParaRPr>
+          </a:p>
+        </p:txBody>
+      </p:sp>
+    </p:spTree>
+    <p:extLst>
+      <p:ext uri="{BB962C8B-B14F-4D97-AF65-F5344CB8AC3E}">
+        <p14:creationId xmlns:p14="http://schemas.microsoft.com/office/powerpoint/2010/main" val="339457292"/>
+      </p:ext>
+    </p:extLst>
+  </p:cSld>
+  <p:clrMapOvr>
+    <a:masterClrMapping/>
+  </p:clrMapOvr>
+  <p:timing>
+    <p:tnLst>
+      <p:par>
+        <p:cTn id="1" dur="indefinite" restart="never" nodeType="tmRoot"/>
+      </p:par>
+    </p:tnLst>
+  </p:timing>
+</p:sld>
+</file>
+
 <file path=ppt/theme/theme1.xml><?xml version="1.0" encoding="utf-8"?>
 <a:theme xmlns:a="http://schemas.openxmlformats.org/drawingml/2006/main" name="Office Theme">
   <a:themeElements>

--- a/doc/image_compressor.pptx
+++ b/doc/image_compressor.pptx
@@ -244,7 +244,7 @@
           <a:p>
             <a:fld id="{4E016455-A17B-40E5-9EF1-35ACA378BF78}" type="datetimeFigureOut">
               <a:rPr lang="en-US" smtClean="0"/>
-              <a:t>3/29/2021</a:t>
+              <a:t>3/30/2021</a:t>
             </a:fld>
             <a:endParaRPr lang="en-US"/>
           </a:p>
@@ -414,7 +414,7 @@
           <a:p>
             <a:fld id="{4E016455-A17B-40E5-9EF1-35ACA378BF78}" type="datetimeFigureOut">
               <a:rPr lang="en-US" smtClean="0"/>
-              <a:t>3/29/2021</a:t>
+              <a:t>3/30/2021</a:t>
             </a:fld>
             <a:endParaRPr lang="en-US"/>
           </a:p>
@@ -594,7 +594,7 @@
           <a:p>
             <a:fld id="{4E016455-A17B-40E5-9EF1-35ACA378BF78}" type="datetimeFigureOut">
               <a:rPr lang="en-US" smtClean="0"/>
-              <a:t>3/29/2021</a:t>
+              <a:t>3/30/2021</a:t>
             </a:fld>
             <a:endParaRPr lang="en-US"/>
           </a:p>
@@ -764,7 +764,7 @@
           <a:p>
             <a:fld id="{4E016455-A17B-40E5-9EF1-35ACA378BF78}" type="datetimeFigureOut">
               <a:rPr lang="en-US" smtClean="0"/>
-              <a:t>3/29/2021</a:t>
+              <a:t>3/30/2021</a:t>
             </a:fld>
             <a:endParaRPr lang="en-US"/>
           </a:p>
@@ -1008,7 +1008,7 @@
           <a:p>
             <a:fld id="{4E016455-A17B-40E5-9EF1-35ACA378BF78}" type="datetimeFigureOut">
               <a:rPr lang="en-US" smtClean="0"/>
-              <a:t>3/29/2021</a:t>
+              <a:t>3/30/2021</a:t>
             </a:fld>
             <a:endParaRPr lang="en-US"/>
           </a:p>
@@ -1240,7 +1240,7 @@
           <a:p>
             <a:fld id="{4E016455-A17B-40E5-9EF1-35ACA378BF78}" type="datetimeFigureOut">
               <a:rPr lang="en-US" smtClean="0"/>
-              <a:t>3/29/2021</a:t>
+              <a:t>3/30/2021</a:t>
             </a:fld>
             <a:endParaRPr lang="en-US"/>
           </a:p>
@@ -1607,7 +1607,7 @@
           <a:p>
             <a:fld id="{4E016455-A17B-40E5-9EF1-35ACA378BF78}" type="datetimeFigureOut">
               <a:rPr lang="en-US" smtClean="0"/>
-              <a:t>3/29/2021</a:t>
+              <a:t>3/30/2021</a:t>
             </a:fld>
             <a:endParaRPr lang="en-US"/>
           </a:p>
@@ -1725,7 +1725,7 @@
           <a:p>
             <a:fld id="{4E016455-A17B-40E5-9EF1-35ACA378BF78}" type="datetimeFigureOut">
               <a:rPr lang="en-US" smtClean="0"/>
-              <a:t>3/29/2021</a:t>
+              <a:t>3/30/2021</a:t>
             </a:fld>
             <a:endParaRPr lang="en-US"/>
           </a:p>
@@ -1820,7 +1820,7 @@
           <a:p>
             <a:fld id="{4E016455-A17B-40E5-9EF1-35ACA378BF78}" type="datetimeFigureOut">
               <a:rPr lang="en-US" smtClean="0"/>
-              <a:t>3/29/2021</a:t>
+              <a:t>3/30/2021</a:t>
             </a:fld>
             <a:endParaRPr lang="en-US"/>
           </a:p>
@@ -2097,7 +2097,7 @@
           <a:p>
             <a:fld id="{4E016455-A17B-40E5-9EF1-35ACA378BF78}" type="datetimeFigureOut">
               <a:rPr lang="en-US" smtClean="0"/>
-              <a:t>3/29/2021</a:t>
+              <a:t>3/30/2021</a:t>
             </a:fld>
             <a:endParaRPr lang="en-US"/>
           </a:p>
@@ -2354,7 +2354,7 @@
           <a:p>
             <a:fld id="{4E016455-A17B-40E5-9EF1-35ACA378BF78}" type="datetimeFigureOut">
               <a:rPr lang="en-US" smtClean="0"/>
-              <a:t>3/29/2021</a:t>
+              <a:t>3/30/2021</a:t>
             </a:fld>
             <a:endParaRPr lang="en-US"/>
           </a:p>
@@ -2567,7 +2567,7 @@
           <a:p>
             <a:fld id="{4E016455-A17B-40E5-9EF1-35ACA378BF78}" type="datetimeFigureOut">
               <a:rPr lang="en-US" smtClean="0"/>
-              <a:t>3/29/2021</a:t>
+              <a:t>3/30/2021</a:t>
             </a:fld>
             <a:endParaRPr lang="en-US"/>
           </a:p>
@@ -3039,7 +3039,7 @@
             <p:spPr>
               <a:xfrm>
                 <a:off x="596354" y="1189284"/>
-                <a:ext cx="1268809" cy="338554"/>
+                <a:ext cx="1290033" cy="338554"/>
               </a:xfrm>
               <a:prstGeom prst="rect">
                 <a:avLst/>
@@ -3053,10 +3053,10 @@
               <a:lstStyle/>
               <a:p>
                 <a:r>
-                  <a:rPr lang="en-US" sz="1600" dirty="0" smtClean="0"/>
+                  <a:rPr lang="en-US" sz="1600" b="1" dirty="0" smtClean="0"/>
                   <a:t>Compression</a:t>
                 </a:r>
-                <a:endParaRPr lang="en-US" sz="1600" dirty="0"/>
+                <a:endParaRPr lang="en-US" sz="1600" b="1" dirty="0"/>
               </a:p>
             </p:txBody>
           </p:sp>
@@ -3114,7 +3114,7 @@
             <p:spPr>
               <a:xfrm>
                 <a:off x="507337" y="2993272"/>
-                <a:ext cx="1473865" cy="338554"/>
+                <a:ext cx="1499000" cy="338554"/>
               </a:xfrm>
               <a:prstGeom prst="rect">
                 <a:avLst/>
@@ -3128,10 +3128,10 @@
               <a:lstStyle/>
               <a:p>
                 <a:r>
-                  <a:rPr lang="en-US" sz="1600" dirty="0" smtClean="0"/>
+                  <a:rPr lang="en-US" sz="1600" b="1" dirty="0" smtClean="0"/>
                   <a:t>Decompression</a:t>
                 </a:r>
-                <a:endParaRPr lang="en-US" sz="1600" dirty="0"/>
+                <a:endParaRPr lang="en-US" sz="1600" b="1" dirty="0"/>
               </a:p>
             </p:txBody>
           </p:sp>
@@ -3536,6 +3536,11 @@
           <a:prstGeom prst="rect">
             <a:avLst/>
           </a:prstGeom>
+          <a:ln>
+            <a:solidFill>
+              <a:schemeClr val="tx1"/>
+            </a:solidFill>
+          </a:ln>
         </p:spPr>
       </p:pic>
       <p:pic>
@@ -3581,8 +3586,8 @@
         </p:nvSpPr>
         <p:spPr>
           <a:xfrm>
-            <a:off x="345280" y="1633584"/>
-            <a:ext cx="2552365" cy="369332"/>
+            <a:off x="324606" y="1633584"/>
+            <a:ext cx="2593723" cy="861774"/>
           </a:xfrm>
           <a:prstGeom prst="rect">
             <a:avLst/>
@@ -3597,10 +3602,47 @@
           <a:p>
             <a:pPr algn="ctr"/>
             <a:r>
-              <a:rPr lang="en-US" dirty="0" smtClean="0"/>
-              <a:t>The MSE and PSNR graph</a:t>
-            </a:r>
-            <a:endParaRPr lang="en-US" dirty="0"/>
+              <a:rPr lang="en-US" b="1" dirty="0" smtClean="0">
+                <a:latin typeface="Calibri" panose="020F0502020204030204" pitchFamily="34" charset="0"/>
+                <a:cs typeface="Calibri" panose="020F0502020204030204" pitchFamily="34" charset="0"/>
+              </a:rPr>
+              <a:t>The MSE and PSNR </a:t>
+            </a:r>
+            <a:r>
+              <a:rPr lang="en-US" b="1" dirty="0" smtClean="0">
+                <a:latin typeface="Calibri" panose="020F0502020204030204" pitchFamily="34" charset="0"/>
+                <a:cs typeface="Calibri" panose="020F0502020204030204" pitchFamily="34" charset="0"/>
+              </a:rPr>
+              <a:t>graph</a:t>
+            </a:r>
+            <a:endParaRPr lang="vi-VN" b="1" dirty="0" smtClean="0">
+              <a:latin typeface="Calibri" panose="020F0502020204030204" pitchFamily="34" charset="0"/>
+              <a:cs typeface="Calibri" panose="020F0502020204030204" pitchFamily="34" charset="0"/>
+            </a:endParaRPr>
+          </a:p>
+          <a:p>
+            <a:pPr algn="ctr"/>
+            <a:r>
+              <a:rPr lang="vi-VN" sz="1600" i="1" dirty="0" smtClean="0">
+                <a:latin typeface="Calibri" panose="020F0502020204030204" pitchFamily="34" charset="0"/>
+                <a:cs typeface="Calibri" panose="020F0502020204030204" pitchFamily="34" charset="0"/>
+              </a:rPr>
+              <a:t>(gaussian percent = 50%,</a:t>
+            </a:r>
+          </a:p>
+          <a:p>
+            <a:pPr algn="ctr"/>
+            <a:r>
+              <a:rPr lang="vi-VN" sz="1600" i="1" dirty="0" smtClean="0">
+                <a:latin typeface="Calibri" panose="020F0502020204030204" pitchFamily="34" charset="0"/>
+                <a:cs typeface="Calibri" panose="020F0502020204030204" pitchFamily="34" charset="0"/>
+              </a:rPr>
+              <a:t>arithmetic block = 4)</a:t>
+            </a:r>
+            <a:endParaRPr lang="en-US" sz="1600" i="1" dirty="0">
+              <a:latin typeface="Calibri" panose="020F0502020204030204" pitchFamily="34" charset="0"/>
+              <a:cs typeface="Calibri" panose="020F0502020204030204" pitchFamily="34" charset="0"/>
+            </a:endParaRPr>
           </a:p>
         </p:txBody>
       </p:sp>
@@ -3612,8 +3654,8 @@
         </p:nvSpPr>
         <p:spPr>
           <a:xfrm>
-            <a:off x="5992037" y="4842831"/>
-            <a:ext cx="2179828" cy="369332"/>
+            <a:off x="5770005" y="4842831"/>
+            <a:ext cx="2220480" cy="369332"/>
           </a:xfrm>
           <a:prstGeom prst="rect">
             <a:avLst/>
@@ -3628,27 +3670,27 @@
           <a:p>
             <a:pPr algn="ctr"/>
             <a:r>
-              <a:rPr lang="en-US" dirty="0" smtClean="0">
+              <a:rPr lang="en-US" b="1" dirty="0" smtClean="0">
                 <a:latin typeface="Calibri" panose="020F0502020204030204" pitchFamily="34" charset="0"/>
                 <a:cs typeface="Calibri" panose="020F0502020204030204" pitchFamily="34" charset="0"/>
               </a:rPr>
               <a:t>Our</a:t>
             </a:r>
             <a:r>
-              <a:rPr lang="vi-VN" dirty="0" smtClean="0">
+              <a:rPr lang="vi-VN" b="1" dirty="0" smtClean="0">
                 <a:latin typeface="Calibri" panose="020F0502020204030204" pitchFamily="34" charset="0"/>
                 <a:cs typeface="Calibri" panose="020F0502020204030204" pitchFamily="34" charset="0"/>
               </a:rPr>
               <a:t> display interface</a:t>
             </a:r>
             <a:r>
-              <a:rPr lang="en-US" dirty="0" smtClean="0">
+              <a:rPr lang="en-US" b="1" dirty="0" smtClean="0">
                 <a:latin typeface="Calibri" panose="020F0502020204030204" pitchFamily="34" charset="0"/>
                 <a:cs typeface="Calibri" panose="020F0502020204030204" pitchFamily="34" charset="0"/>
               </a:rPr>
               <a:t> </a:t>
             </a:r>
-            <a:endParaRPr lang="en-US" dirty="0">
+            <a:endParaRPr lang="en-US" b="1" dirty="0">
               <a:latin typeface="Calibri" panose="020F0502020204030204" pitchFamily="34" charset="0"/>
               <a:cs typeface="Calibri" panose="020F0502020204030204" pitchFamily="34" charset="0"/>
             </a:endParaRPr>

--- a/doc/image_compressor.pptx
+++ b/doc/image_compressor.pptx
@@ -7,6 +7,7 @@
   <p:sldIdLst>
     <p:sldId id="256" r:id="rId2"/>
     <p:sldId id="257" r:id="rId3"/>
+    <p:sldId id="258" r:id="rId4"/>
   </p:sldIdLst>
   <p:sldSz cx="9144000" cy="6858000" type="screen4x3"/>
   <p:notesSz cx="6858000" cy="9144000"/>
@@ -244,7 +245,7 @@
           <a:p>
             <a:fld id="{4E016455-A17B-40E5-9EF1-35ACA378BF78}" type="datetimeFigureOut">
               <a:rPr lang="en-US" smtClean="0"/>
-              <a:t>3/30/2021</a:t>
+              <a:t>4/7/2021</a:t>
             </a:fld>
             <a:endParaRPr lang="en-US"/>
           </a:p>
@@ -414,7 +415,7 @@
           <a:p>
             <a:fld id="{4E016455-A17B-40E5-9EF1-35ACA378BF78}" type="datetimeFigureOut">
               <a:rPr lang="en-US" smtClean="0"/>
-              <a:t>3/30/2021</a:t>
+              <a:t>4/7/2021</a:t>
             </a:fld>
             <a:endParaRPr lang="en-US"/>
           </a:p>
@@ -594,7 +595,7 @@
           <a:p>
             <a:fld id="{4E016455-A17B-40E5-9EF1-35ACA378BF78}" type="datetimeFigureOut">
               <a:rPr lang="en-US" smtClean="0"/>
-              <a:t>3/30/2021</a:t>
+              <a:t>4/7/2021</a:t>
             </a:fld>
             <a:endParaRPr lang="en-US"/>
           </a:p>
@@ -764,7 +765,7 @@
           <a:p>
             <a:fld id="{4E016455-A17B-40E5-9EF1-35ACA378BF78}" type="datetimeFigureOut">
               <a:rPr lang="en-US" smtClean="0"/>
-              <a:t>3/30/2021</a:t>
+              <a:t>4/7/2021</a:t>
             </a:fld>
             <a:endParaRPr lang="en-US"/>
           </a:p>
@@ -1008,7 +1009,7 @@
           <a:p>
             <a:fld id="{4E016455-A17B-40E5-9EF1-35ACA378BF78}" type="datetimeFigureOut">
               <a:rPr lang="en-US" smtClean="0"/>
-              <a:t>3/30/2021</a:t>
+              <a:t>4/7/2021</a:t>
             </a:fld>
             <a:endParaRPr lang="en-US"/>
           </a:p>
@@ -1240,7 +1241,7 @@
           <a:p>
             <a:fld id="{4E016455-A17B-40E5-9EF1-35ACA378BF78}" type="datetimeFigureOut">
               <a:rPr lang="en-US" smtClean="0"/>
-              <a:t>3/30/2021</a:t>
+              <a:t>4/7/2021</a:t>
             </a:fld>
             <a:endParaRPr lang="en-US"/>
           </a:p>
@@ -1607,7 +1608,7 @@
           <a:p>
             <a:fld id="{4E016455-A17B-40E5-9EF1-35ACA378BF78}" type="datetimeFigureOut">
               <a:rPr lang="en-US" smtClean="0"/>
-              <a:t>3/30/2021</a:t>
+              <a:t>4/7/2021</a:t>
             </a:fld>
             <a:endParaRPr lang="en-US"/>
           </a:p>
@@ -1725,7 +1726,7 @@
           <a:p>
             <a:fld id="{4E016455-A17B-40E5-9EF1-35ACA378BF78}" type="datetimeFigureOut">
               <a:rPr lang="en-US" smtClean="0"/>
-              <a:t>3/30/2021</a:t>
+              <a:t>4/7/2021</a:t>
             </a:fld>
             <a:endParaRPr lang="en-US"/>
           </a:p>
@@ -1820,7 +1821,7 @@
           <a:p>
             <a:fld id="{4E016455-A17B-40E5-9EF1-35ACA378BF78}" type="datetimeFigureOut">
               <a:rPr lang="en-US" smtClean="0"/>
-              <a:t>3/30/2021</a:t>
+              <a:t>4/7/2021</a:t>
             </a:fld>
             <a:endParaRPr lang="en-US"/>
           </a:p>
@@ -2097,7 +2098,7 @@
           <a:p>
             <a:fld id="{4E016455-A17B-40E5-9EF1-35ACA378BF78}" type="datetimeFigureOut">
               <a:rPr lang="en-US" smtClean="0"/>
-              <a:t>3/30/2021</a:t>
+              <a:t>4/7/2021</a:t>
             </a:fld>
             <a:endParaRPr lang="en-US"/>
           </a:p>
@@ -2354,7 +2355,7 @@
           <a:p>
             <a:fld id="{4E016455-A17B-40E5-9EF1-35ACA378BF78}" type="datetimeFigureOut">
               <a:rPr lang="en-US" smtClean="0"/>
-              <a:t>3/30/2021</a:t>
+              <a:t>4/7/2021</a:t>
             </a:fld>
             <a:endParaRPr lang="en-US"/>
           </a:p>
@@ -2567,7 +2568,7 @@
           <a:p>
             <a:fld id="{4E016455-A17B-40E5-9EF1-35ACA378BF78}" type="datetimeFigureOut">
               <a:rPr lang="en-US" smtClean="0"/>
-              <a:t>3/30/2021</a:t>
+              <a:t>4/7/2021</a:t>
             </a:fld>
             <a:endParaRPr lang="en-US"/>
           </a:p>
@@ -3002,251 +3003,66 @@
           </a:p>
         </p:txBody>
       </p:sp>
-      <p:grpSp>
-        <p:nvGrpSpPr>
-          <p:cNvPr id="6" name="Group 5"/>
-          <p:cNvGrpSpPr/>
+      <p:sp>
+        <p:nvSpPr>
+          <p:cNvPr id="9" name="TextBox 8"/>
+          <p:cNvSpPr txBox="1"/>
           <p:nvPr/>
-        </p:nvGrpSpPr>
-        <p:grpSpPr>
+        </p:nvSpPr>
+        <p:spPr>
           <a:xfrm>
-            <a:off x="476739" y="2649077"/>
-            <a:ext cx="8190523" cy="3715476"/>
-            <a:chOff x="294951" y="2691280"/>
-            <a:chExt cx="8190523" cy="3715476"/>
+            <a:off x="476739" y="2618299"/>
+            <a:ext cx="1421223" cy="369332"/>
           </a:xfrm>
-        </p:grpSpPr>
-        <p:grpSp>
-          <p:nvGrpSpPr>
-            <p:cNvPr id="16" name="Group 15"/>
-            <p:cNvGrpSpPr/>
-            <p:nvPr/>
-          </p:nvGrpSpPr>
-          <p:grpSpPr>
-            <a:xfrm>
-              <a:off x="294951" y="2691280"/>
-              <a:ext cx="6089202" cy="1710154"/>
-              <a:chOff x="596354" y="1189284"/>
-              <a:chExt cx="6089202" cy="1710154"/>
-            </a:xfrm>
-          </p:grpSpPr>
-          <p:sp>
-            <p:nvSpPr>
-              <p:cNvPr id="9" name="TextBox 8"/>
-              <p:cNvSpPr txBox="1"/>
-              <p:nvPr/>
-            </p:nvSpPr>
-            <p:spPr>
-              <a:xfrm>
-                <a:off x="596354" y="1189284"/>
-                <a:ext cx="1290033" cy="338554"/>
-              </a:xfrm>
-              <a:prstGeom prst="rect">
-                <a:avLst/>
-              </a:prstGeom>
-              <a:noFill/>
-            </p:spPr>
-            <p:txBody>
-              <a:bodyPr wrap="none" rtlCol="0">
-                <a:spAutoFit/>
-              </a:bodyPr>
-              <a:lstStyle/>
-              <a:p>
-                <a:r>
-                  <a:rPr lang="en-US" sz="1600" b="1" dirty="0" smtClean="0"/>
-                  <a:t>Compression</a:t>
-                </a:r>
-                <a:endParaRPr lang="en-US" sz="1600" b="1" dirty="0"/>
-              </a:p>
-            </p:txBody>
-          </p:sp>
-          <p:pic>
-            <p:nvPicPr>
-              <p:cNvPr id="13" name="Picture 12"/>
-              <p:cNvPicPr>
-                <a:picLocks noChangeAspect="1"/>
-              </p:cNvPicPr>
-              <p:nvPr/>
-            </p:nvPicPr>
-            <p:blipFill>
-              <a:blip r:embed="rId2">
-                <a:extLst>
-                  <a:ext uri="{28A0092B-C50C-407E-A947-70E740481C1C}">
-                    <a14:useLocalDpi xmlns:a14="http://schemas.microsoft.com/office/drawing/2010/main" val="0"/>
-                  </a:ext>
-                </a:extLst>
-              </a:blip>
-              <a:stretch>
-                <a:fillRect/>
-              </a:stretch>
-            </p:blipFill>
-            <p:spPr>
-              <a:xfrm>
-                <a:off x="658525" y="1527838"/>
-                <a:ext cx="6027031" cy="1371600"/>
-              </a:xfrm>
-              <a:prstGeom prst="rect">
-                <a:avLst/>
-              </a:prstGeom>
-            </p:spPr>
-          </p:pic>
-        </p:grpSp>
-        <p:grpSp>
-          <p:nvGrpSpPr>
-            <p:cNvPr id="15" name="Group 14"/>
-            <p:cNvGrpSpPr/>
-            <p:nvPr/>
-          </p:nvGrpSpPr>
-          <p:grpSpPr>
-            <a:xfrm>
-              <a:off x="294951" y="4696602"/>
-              <a:ext cx="7746642" cy="1710154"/>
-              <a:chOff x="507337" y="2993272"/>
-              <a:chExt cx="7746642" cy="1710154"/>
-            </a:xfrm>
-          </p:grpSpPr>
-          <p:sp>
-            <p:nvSpPr>
-              <p:cNvPr id="10" name="TextBox 9"/>
-              <p:cNvSpPr txBox="1"/>
-              <p:nvPr/>
-            </p:nvSpPr>
-            <p:spPr>
-              <a:xfrm>
-                <a:off x="507337" y="2993272"/>
-                <a:ext cx="1499000" cy="338554"/>
-              </a:xfrm>
-              <a:prstGeom prst="rect">
-                <a:avLst/>
-              </a:prstGeom>
-              <a:noFill/>
-            </p:spPr>
-            <p:txBody>
-              <a:bodyPr wrap="none" rtlCol="0">
-                <a:spAutoFit/>
-              </a:bodyPr>
-              <a:lstStyle/>
-              <a:p>
-                <a:r>
-                  <a:rPr lang="en-US" sz="1600" b="1" dirty="0" smtClean="0"/>
-                  <a:t>Decompression</a:t>
-                </a:r>
-                <a:endParaRPr lang="en-US" sz="1600" b="1" dirty="0"/>
-              </a:p>
-            </p:txBody>
-          </p:sp>
-          <p:pic>
-            <p:nvPicPr>
-              <p:cNvPr id="14" name="Picture 13"/>
-              <p:cNvPicPr>
-                <a:picLocks noChangeAspect="1"/>
-              </p:cNvPicPr>
-              <p:nvPr/>
-            </p:nvPicPr>
-            <p:blipFill>
-              <a:blip r:embed="rId3">
-                <a:extLst>
-                  <a:ext uri="{28A0092B-C50C-407E-A947-70E740481C1C}">
-                    <a14:useLocalDpi xmlns:a14="http://schemas.microsoft.com/office/drawing/2010/main" val="0"/>
-                  </a:ext>
-                </a:extLst>
-              </a:blip>
-              <a:stretch>
-                <a:fillRect/>
-              </a:stretch>
-            </p:blipFill>
-            <p:spPr>
-              <a:xfrm>
-                <a:off x="507337" y="3331826"/>
-                <a:ext cx="7746642" cy="1371600"/>
-              </a:xfrm>
-              <a:prstGeom prst="rect">
-                <a:avLst/>
-              </a:prstGeom>
-            </p:spPr>
-          </p:pic>
-        </p:grpSp>
-        <p:grpSp>
-          <p:nvGrpSpPr>
-            <p:cNvPr id="19" name="Group 18"/>
-            <p:cNvGrpSpPr/>
-            <p:nvPr/>
-          </p:nvGrpSpPr>
-          <p:grpSpPr>
-            <a:xfrm>
-              <a:off x="6839554" y="2736507"/>
-              <a:ext cx="1645920" cy="2048821"/>
-              <a:chOff x="7025046" y="1113841"/>
-              <a:chExt cx="1645920" cy="2048821"/>
-            </a:xfrm>
-          </p:grpSpPr>
-          <p:pic>
-            <p:nvPicPr>
-              <p:cNvPr id="17" name="Picture 16"/>
-              <p:cNvPicPr>
-                <a:picLocks noChangeAspect="1"/>
-              </p:cNvPicPr>
-              <p:nvPr/>
-            </p:nvPicPr>
-            <p:blipFill>
-              <a:blip r:embed="rId4">
-                <a:extLst>
-                  <a:ext uri="{28A0092B-C50C-407E-A947-70E740481C1C}">
-                    <a14:useLocalDpi xmlns:a14="http://schemas.microsoft.com/office/drawing/2010/main" val="0"/>
-                  </a:ext>
-                </a:extLst>
-              </a:blip>
-              <a:stretch>
-                <a:fillRect/>
-              </a:stretch>
-            </p:blipFill>
-            <p:spPr>
-              <a:xfrm>
-                <a:off x="7025046" y="1113841"/>
-                <a:ext cx="1645920" cy="1645920"/>
-              </a:xfrm>
-              <a:prstGeom prst="rect">
-                <a:avLst/>
-              </a:prstGeom>
-              <a:ln w="12700">
-                <a:solidFill>
-                  <a:schemeClr val="tx1"/>
-                </a:solidFill>
-              </a:ln>
-            </p:spPr>
-          </p:pic>
-          <p:sp>
-            <p:nvSpPr>
-              <p:cNvPr id="18" name="Rectangle 17"/>
-              <p:cNvSpPr/>
-              <p:nvPr/>
-            </p:nvSpPr>
-            <p:spPr>
-              <a:xfrm>
-                <a:off x="7025046" y="2824108"/>
-                <a:ext cx="1645920" cy="338554"/>
-              </a:xfrm>
-              <a:prstGeom prst="rect">
-                <a:avLst/>
-              </a:prstGeom>
-            </p:spPr>
-            <p:txBody>
-              <a:bodyPr wrap="square">
-                <a:spAutoFit/>
-              </a:bodyPr>
-              <a:lstStyle/>
-              <a:p>
-                <a:pPr algn="ctr"/>
-                <a:r>
-                  <a:rPr lang="en-US" sz="1600" i="1" dirty="0" smtClean="0"/>
-                  <a:t>2d-DCT frequency</a:t>
-                </a:r>
-                <a:endParaRPr lang="en-US" sz="1600" i="1" dirty="0"/>
-              </a:p>
-            </p:txBody>
-          </p:sp>
-        </p:grpSp>
-      </p:grpSp>
+          <a:prstGeom prst="rect">
+            <a:avLst/>
+          </a:prstGeom>
+          <a:noFill/>
+        </p:spPr>
+        <p:txBody>
+          <a:bodyPr wrap="none" rtlCol="0">
+            <a:spAutoFit/>
+          </a:bodyPr>
+          <a:lstStyle/>
+          <a:p>
+            <a:r>
+              <a:rPr lang="en-US" b="1" dirty="0" smtClean="0"/>
+              <a:t>Compression</a:t>
+            </a:r>
+            <a:endParaRPr lang="en-US" b="1" dirty="0"/>
+          </a:p>
+        </p:txBody>
+      </p:sp>
+      <p:sp>
+        <p:nvSpPr>
+          <p:cNvPr id="10" name="TextBox 9"/>
+          <p:cNvSpPr txBox="1"/>
+          <p:nvPr/>
+        </p:nvSpPr>
+        <p:spPr>
+          <a:xfrm>
+            <a:off x="476739" y="4654399"/>
+            <a:ext cx="1655710" cy="369332"/>
+          </a:xfrm>
+          <a:prstGeom prst="rect">
+            <a:avLst/>
+          </a:prstGeom>
+          <a:noFill/>
+        </p:spPr>
+        <p:txBody>
+          <a:bodyPr wrap="none" rtlCol="0">
+            <a:spAutoFit/>
+          </a:bodyPr>
+          <a:lstStyle/>
+          <a:p>
+            <a:r>
+              <a:rPr lang="en-US" b="1" dirty="0" smtClean="0"/>
+              <a:t>Decompression</a:t>
+            </a:r>
+            <a:endParaRPr lang="en-US" b="1" dirty="0"/>
+          </a:p>
+        </p:txBody>
+      </p:sp>
       <p:sp>
         <p:nvSpPr>
           <p:cNvPr id="3" name="TextBox 2"/>
@@ -3370,7 +3186,7 @@
             <p:nvPr/>
           </p:nvPicPr>
           <p:blipFill>
-            <a:blip r:embed="rId5" cstate="print">
+            <a:blip r:embed="rId2" cstate="print">
               <a:extLst>
                 <a:ext uri="{28A0092B-C50C-407E-A947-70E740481C1C}">
                   <a14:useLocalDpi xmlns:a14="http://schemas.microsoft.com/office/drawing/2010/main" val="0"/>
@@ -3400,7 +3216,7 @@
             <p:nvPr/>
           </p:nvPicPr>
           <p:blipFill>
-            <a:blip r:embed="rId6">
+            <a:blip r:embed="rId3">
               <a:extLst>
                 <a:ext uri="{28A0092B-C50C-407E-A947-70E740481C1C}">
                   <a14:useLocalDpi xmlns:a14="http://schemas.microsoft.com/office/drawing/2010/main" val="0"/>
@@ -3471,6 +3287,262 @@
           </p:txBody>
         </p:sp>
       </p:grpSp>
+      <p:grpSp>
+        <p:nvGrpSpPr>
+          <p:cNvPr id="26" name="Group 25"/>
+          <p:cNvGrpSpPr/>
+          <p:nvPr/>
+        </p:nvGrpSpPr>
+        <p:grpSpPr>
+          <a:xfrm>
+            <a:off x="476739" y="2395227"/>
+            <a:ext cx="8190523" cy="3969326"/>
+            <a:chOff x="476739" y="2395227"/>
+            <a:chExt cx="8190523" cy="3969326"/>
+          </a:xfrm>
+        </p:grpSpPr>
+        <p:pic>
+          <p:nvPicPr>
+            <p:cNvPr id="13" name="Picture 12"/>
+            <p:cNvPicPr>
+              <a:picLocks noChangeAspect="1"/>
+            </p:cNvPicPr>
+            <p:nvPr/>
+          </p:nvPicPr>
+          <p:blipFill>
+            <a:blip r:embed="rId4">
+              <a:extLst>
+                <a:ext uri="{28A0092B-C50C-407E-A947-70E740481C1C}">
+                  <a14:useLocalDpi xmlns:a14="http://schemas.microsoft.com/office/drawing/2010/main" val="0"/>
+                </a:ext>
+              </a:extLst>
+            </a:blip>
+            <a:stretch>
+              <a:fillRect/>
+            </a:stretch>
+          </p:blipFill>
+          <p:spPr>
+            <a:xfrm>
+              <a:off x="538910" y="2987631"/>
+              <a:ext cx="6027031" cy="1371600"/>
+            </a:xfrm>
+            <a:prstGeom prst="rect">
+              <a:avLst/>
+            </a:prstGeom>
+          </p:spPr>
+        </p:pic>
+        <p:pic>
+          <p:nvPicPr>
+            <p:cNvPr id="14" name="Picture 13"/>
+            <p:cNvPicPr>
+              <a:picLocks noChangeAspect="1"/>
+            </p:cNvPicPr>
+            <p:nvPr/>
+          </p:nvPicPr>
+          <p:blipFill>
+            <a:blip r:embed="rId5">
+              <a:extLst>
+                <a:ext uri="{28A0092B-C50C-407E-A947-70E740481C1C}">
+                  <a14:useLocalDpi xmlns:a14="http://schemas.microsoft.com/office/drawing/2010/main" val="0"/>
+                </a:ext>
+              </a:extLst>
+            </a:blip>
+            <a:stretch>
+              <a:fillRect/>
+            </a:stretch>
+          </p:blipFill>
+          <p:spPr>
+            <a:xfrm>
+              <a:off x="476739" y="4992953"/>
+              <a:ext cx="7746642" cy="1371600"/>
+            </a:xfrm>
+            <a:prstGeom prst="rect">
+              <a:avLst/>
+            </a:prstGeom>
+          </p:spPr>
+        </p:pic>
+        <p:grpSp>
+          <p:nvGrpSpPr>
+            <p:cNvPr id="12" name="Group 11"/>
+            <p:cNvGrpSpPr/>
+            <p:nvPr/>
+          </p:nvGrpSpPr>
+          <p:grpSpPr>
+            <a:xfrm>
+              <a:off x="7021342" y="2395227"/>
+              <a:ext cx="1645920" cy="2347898"/>
+              <a:chOff x="7021342" y="2395227"/>
+              <a:chExt cx="1645920" cy="2347898"/>
+            </a:xfrm>
+          </p:grpSpPr>
+          <p:sp>
+            <p:nvSpPr>
+              <p:cNvPr id="18" name="Rectangle 17"/>
+              <p:cNvSpPr/>
+              <p:nvPr/>
+            </p:nvSpPr>
+            <p:spPr>
+              <a:xfrm>
+                <a:off x="7021342" y="4404571"/>
+                <a:ext cx="1645920" cy="338554"/>
+              </a:xfrm>
+              <a:prstGeom prst="rect">
+                <a:avLst/>
+              </a:prstGeom>
+            </p:spPr>
+            <p:txBody>
+              <a:bodyPr wrap="square">
+                <a:spAutoFit/>
+              </a:bodyPr>
+              <a:lstStyle/>
+              <a:p>
+                <a:pPr algn="ctr"/>
+                <a:r>
+                  <a:rPr lang="en-US" sz="1600" i="1" dirty="0" smtClean="0"/>
+                  <a:t>2d-DCT frequency</a:t>
+                </a:r>
+                <a:endParaRPr lang="en-US" sz="1600" i="1" dirty="0"/>
+              </a:p>
+            </p:txBody>
+          </p:sp>
+          <p:grpSp>
+            <p:nvGrpSpPr>
+              <p:cNvPr id="11" name="Group 10"/>
+              <p:cNvGrpSpPr/>
+              <p:nvPr/>
+            </p:nvGrpSpPr>
+            <p:grpSpPr>
+              <a:xfrm>
+                <a:off x="7021342" y="2395227"/>
+                <a:ext cx="1645920" cy="1944997"/>
+                <a:chOff x="7021342" y="2395227"/>
+                <a:chExt cx="1645920" cy="1944997"/>
+              </a:xfrm>
+            </p:grpSpPr>
+            <p:pic>
+              <p:nvPicPr>
+                <p:cNvPr id="17" name="Picture 16"/>
+                <p:cNvPicPr>
+                  <a:picLocks noChangeAspect="1"/>
+                </p:cNvPicPr>
+                <p:nvPr/>
+              </p:nvPicPr>
+              <p:blipFill>
+                <a:blip r:embed="rId6">
+                  <a:extLst>
+                    <a:ext uri="{28A0092B-C50C-407E-A947-70E740481C1C}">
+                      <a14:useLocalDpi xmlns:a14="http://schemas.microsoft.com/office/drawing/2010/main" val="0"/>
+                    </a:ext>
+                  </a:extLst>
+                </a:blip>
+                <a:stretch>
+                  <a:fillRect/>
+                </a:stretch>
+              </p:blipFill>
+              <p:spPr>
+                <a:xfrm>
+                  <a:off x="7021342" y="2694304"/>
+                  <a:ext cx="1645920" cy="1645920"/>
+                </a:xfrm>
+                <a:prstGeom prst="rect">
+                  <a:avLst/>
+                </a:prstGeom>
+                <a:ln w="12700">
+                  <a:solidFill>
+                    <a:schemeClr val="tx1"/>
+                  </a:solidFill>
+                </a:ln>
+              </p:spPr>
+            </p:pic>
+            <p:sp>
+              <p:nvSpPr>
+                <p:cNvPr id="2" name="Rectangle 1"/>
+                <p:cNvSpPr/>
+                <p:nvPr/>
+              </p:nvSpPr>
+              <p:spPr>
+                <a:xfrm>
+                  <a:off x="7034789" y="2702865"/>
+                  <a:ext cx="682317" cy="658899"/>
+                </a:xfrm>
+                <a:prstGeom prst="rect">
+                  <a:avLst/>
+                </a:prstGeom>
+                <a:noFill/>
+                <a:ln w="28575">
+                  <a:solidFill>
+                    <a:srgbClr val="FF0000"/>
+                  </a:solidFill>
+                </a:ln>
+              </p:spPr>
+              <p:style>
+                <a:lnRef idx="2">
+                  <a:schemeClr val="dk1"/>
+                </a:lnRef>
+                <a:fillRef idx="1">
+                  <a:schemeClr val="lt1"/>
+                </a:fillRef>
+                <a:effectRef idx="0">
+                  <a:schemeClr val="dk1"/>
+                </a:effectRef>
+                <a:fontRef idx="minor">
+                  <a:schemeClr val="dk1"/>
+                </a:fontRef>
+              </p:style>
+              <p:txBody>
+                <a:bodyPr rtlCol="0" anchor="ctr"/>
+                <a:lstStyle/>
+                <a:p>
+                  <a:pPr algn="ctr"/>
+                  <a:endParaRPr lang="en-US" dirty="0"/>
+                </a:p>
+              </p:txBody>
+            </p:sp>
+            <p:sp>
+              <p:nvSpPr>
+                <p:cNvPr id="4" name="TextBox 3"/>
+                <p:cNvSpPr txBox="1"/>
+                <p:nvPr/>
+              </p:nvSpPr>
+              <p:spPr>
+                <a:xfrm>
+                  <a:off x="7087863" y="2395227"/>
+                  <a:ext cx="617477" cy="338554"/>
+                </a:xfrm>
+                <a:prstGeom prst="rect">
+                  <a:avLst/>
+                </a:prstGeom>
+                <a:noFill/>
+              </p:spPr>
+              <p:txBody>
+                <a:bodyPr wrap="none" rtlCol="0">
+                  <a:spAutoFit/>
+                </a:bodyPr>
+                <a:lstStyle/>
+                <a:p>
+                  <a:r>
+                    <a:rPr lang="en-US" sz="1600" b="1" dirty="0" smtClean="0">
+                      <a:solidFill>
+                        <a:srgbClr val="FF0000"/>
+                      </a:solidFill>
+                      <a:latin typeface="Arial" panose="020B0604020202020204" pitchFamily="34" charset="0"/>
+                      <a:cs typeface="Arial" panose="020B0604020202020204" pitchFamily="34" charset="0"/>
+                    </a:rPr>
+                    <a:t>core</a:t>
+                  </a:r>
+                  <a:endParaRPr lang="en-US" sz="1600" b="1" dirty="0">
+                    <a:solidFill>
+                      <a:srgbClr val="FF0000"/>
+                    </a:solidFill>
+                    <a:latin typeface="Arial" panose="020B0604020202020204" pitchFamily="34" charset="0"/>
+                    <a:cs typeface="Arial" panose="020B0604020202020204" pitchFamily="34" charset="0"/>
+                  </a:endParaRPr>
+                </a:p>
+              </p:txBody>
+            </p:sp>
+          </p:grpSp>
+        </p:grpSp>
+      </p:grpSp>
     </p:spTree>
     <p:extLst>
       <p:ext uri="{BB962C8B-B14F-4D97-AF65-F5344CB8AC3E}">
@@ -3492,6 +3564,667 @@
 </file>
 
 <file path=ppt/slides/slide2.xml><?xml version="1.0" encoding="utf-8"?>
+<p:sld xmlns:a="http://schemas.openxmlformats.org/drawingml/2006/main" xmlns:r="http://schemas.openxmlformats.org/officeDocument/2006/relationships" xmlns:p="http://schemas.openxmlformats.org/presentationml/2006/main">
+  <p:cSld>
+    <p:spTree>
+      <p:nvGrpSpPr>
+        <p:cNvPr id="1" name=""/>
+        <p:cNvGrpSpPr/>
+        <p:nvPr/>
+      </p:nvGrpSpPr>
+      <p:grpSpPr>
+        <a:xfrm>
+          <a:off x="0" y="0"/>
+          <a:ext cx="0" cy="0"/>
+          <a:chOff x="0" y="0"/>
+          <a:chExt cx="0" cy="0"/>
+        </a:xfrm>
+      </p:grpSpPr>
+      <p:sp>
+        <p:nvSpPr>
+          <p:cNvPr id="4" name="TextBox 3"/>
+          <p:cNvSpPr txBox="1"/>
+          <p:nvPr/>
+        </p:nvSpPr>
+        <p:spPr>
+          <a:xfrm>
+            <a:off x="372926" y="742432"/>
+            <a:ext cx="2047355" cy="369332"/>
+          </a:xfrm>
+          <a:prstGeom prst="rect">
+            <a:avLst/>
+          </a:prstGeom>
+          <a:noFill/>
+        </p:spPr>
+        <p:txBody>
+          <a:bodyPr wrap="none" rtlCol="0">
+            <a:spAutoFit/>
+          </a:bodyPr>
+          <a:lstStyle/>
+          <a:p>
+            <a:pPr algn="ctr"/>
+            <a:r>
+              <a:rPr lang="en-US" b="1" dirty="0" smtClean="0">
+                <a:latin typeface="Calibri" panose="020F0502020204030204" pitchFamily="34" charset="0"/>
+                <a:cs typeface="Calibri" panose="020F0502020204030204" pitchFamily="34" charset="0"/>
+              </a:rPr>
+              <a:t>The MSE and PSNR</a:t>
+            </a:r>
+            <a:endParaRPr lang="vi-VN" b="1" dirty="0" smtClean="0">
+              <a:latin typeface="Calibri" panose="020F0502020204030204" pitchFamily="34" charset="0"/>
+              <a:cs typeface="Calibri" panose="020F0502020204030204" pitchFamily="34" charset="0"/>
+            </a:endParaRPr>
+          </a:p>
+        </p:txBody>
+      </p:sp>
+      <p:graphicFrame>
+        <p:nvGraphicFramePr>
+          <p:cNvPr id="6" name="Table 5"/>
+          <p:cNvGraphicFramePr>
+            <a:graphicFrameLocks noGrp="1"/>
+          </p:cNvGraphicFramePr>
+          <p:nvPr>
+            <p:extLst>
+              <p:ext uri="{D42A27DB-BD31-4B8C-83A1-F6EECF244321}">
+                <p14:modId xmlns:p14="http://schemas.microsoft.com/office/powerpoint/2010/main" val="1647131013"/>
+              </p:ext>
+            </p:extLst>
+          </p:nvPr>
+        </p:nvGraphicFramePr>
+        <p:xfrm>
+          <a:off x="1524000" y="1258138"/>
+          <a:ext cx="6096000" cy="1854200"/>
+        </p:xfrm>
+        <a:graphic>
+          <a:graphicData uri="http://schemas.openxmlformats.org/drawingml/2006/table">
+            <a:tbl>
+              <a:tblPr firstRow="1" bandRow="1">
+                <a:tableStyleId>{5C22544A-7EE6-4342-B048-85BDC9FD1C3A}</a:tableStyleId>
+              </a:tblPr>
+              <a:tblGrid>
+                <a:gridCol w="2510118">
+                  <a:extLst>
+                    <a:ext uri="{9D8B030D-6E8A-4147-A177-3AD203B41FA5}">
+                      <a16:colId xmlns:a16="http://schemas.microsoft.com/office/drawing/2014/main" val="4034061247"/>
+                    </a:ext>
+                  </a:extLst>
+                </a:gridCol>
+                <a:gridCol w="1761564">
+                  <a:extLst>
+                    <a:ext uri="{9D8B030D-6E8A-4147-A177-3AD203B41FA5}">
+                      <a16:colId xmlns:a16="http://schemas.microsoft.com/office/drawing/2014/main" val="4263648908"/>
+                    </a:ext>
+                  </a:extLst>
+                </a:gridCol>
+                <a:gridCol w="1824318">
+                  <a:extLst>
+                    <a:ext uri="{9D8B030D-6E8A-4147-A177-3AD203B41FA5}">
+                      <a16:colId xmlns:a16="http://schemas.microsoft.com/office/drawing/2014/main" val="8814931"/>
+                    </a:ext>
+                  </a:extLst>
+                </a:gridCol>
+              </a:tblGrid>
+              <a:tr h="370840">
+                <a:tc>
+                  <a:txBody>
+                    <a:bodyPr/>
+                    <a:lstStyle/>
+                    <a:p>
+                      <a:pPr algn="ctr"/>
+                      <a:r>
+                        <a:rPr lang="en-US" sz="1600" dirty="0" smtClean="0">
+                          <a:latin typeface="Arial" panose="020B0604020202020204" pitchFamily="34" charset="0"/>
+                          <a:cs typeface="Arial" panose="020B0604020202020204" pitchFamily="34" charset="0"/>
+                        </a:rPr>
+                        <a:t>Compress Volumn (KB)</a:t>
+                      </a:r>
+                      <a:endParaRPr lang="en-US" sz="1600" dirty="0">
+                        <a:latin typeface="Arial" panose="020B0604020202020204" pitchFamily="34" charset="0"/>
+                        <a:cs typeface="Arial" panose="020B0604020202020204" pitchFamily="34" charset="0"/>
+                      </a:endParaRPr>
+                    </a:p>
+                  </a:txBody>
+                  <a:tcPr>
+                    <a:lnL w="12700" cap="flat" cmpd="sng" algn="ctr">
+                      <a:solidFill>
+                        <a:schemeClr val="tx1"/>
+                      </a:solidFill>
+                      <a:prstDash val="solid"/>
+                      <a:round/>
+                      <a:headEnd type="none" w="med" len="med"/>
+                      <a:tailEnd type="none" w="med" len="med"/>
+                    </a:lnL>
+                    <a:lnT w="12700" cap="flat" cmpd="sng" algn="ctr">
+                      <a:solidFill>
+                        <a:schemeClr val="tx1"/>
+                      </a:solidFill>
+                      <a:prstDash val="solid"/>
+                      <a:round/>
+                      <a:headEnd type="none" w="med" len="med"/>
+                      <a:tailEnd type="none" w="med" len="med"/>
+                    </a:lnT>
+                  </a:tcPr>
+                </a:tc>
+                <a:tc>
+                  <a:txBody>
+                    <a:bodyPr/>
+                    <a:lstStyle/>
+                    <a:p>
+                      <a:pPr algn="ctr"/>
+                      <a:r>
+                        <a:rPr lang="en-US" sz="1600" dirty="0" smtClean="0">
+                          <a:latin typeface="Arial" panose="020B0604020202020204" pitchFamily="34" charset="0"/>
+                          <a:cs typeface="Arial" panose="020B0604020202020204" pitchFamily="34" charset="0"/>
+                        </a:rPr>
+                        <a:t>PSNR (dB)</a:t>
+                      </a:r>
+                      <a:endParaRPr lang="en-US" sz="1600" dirty="0">
+                        <a:latin typeface="Arial" panose="020B0604020202020204" pitchFamily="34" charset="0"/>
+                        <a:cs typeface="Arial" panose="020B0604020202020204" pitchFamily="34" charset="0"/>
+                      </a:endParaRPr>
+                    </a:p>
+                  </a:txBody>
+                  <a:tcPr>
+                    <a:lnT w="12700" cap="flat" cmpd="sng" algn="ctr">
+                      <a:solidFill>
+                        <a:schemeClr val="tx1"/>
+                      </a:solidFill>
+                      <a:prstDash val="solid"/>
+                      <a:round/>
+                      <a:headEnd type="none" w="med" len="med"/>
+                      <a:tailEnd type="none" w="med" len="med"/>
+                    </a:lnT>
+                  </a:tcPr>
+                </a:tc>
+                <a:tc>
+                  <a:txBody>
+                    <a:bodyPr/>
+                    <a:lstStyle/>
+                    <a:p>
+                      <a:pPr algn="ctr"/>
+                      <a:r>
+                        <a:rPr lang="en-US" sz="1600" dirty="0" smtClean="0">
+                          <a:latin typeface="Arial" panose="020B0604020202020204" pitchFamily="34" charset="0"/>
+                          <a:cs typeface="Arial" panose="020B0604020202020204" pitchFamily="34" charset="0"/>
+                        </a:rPr>
+                        <a:t>Ratio</a:t>
+                      </a:r>
+                      <a:endParaRPr lang="en-US" sz="1600" dirty="0">
+                        <a:latin typeface="Arial" panose="020B0604020202020204" pitchFamily="34" charset="0"/>
+                        <a:cs typeface="Arial" panose="020B0604020202020204" pitchFamily="34" charset="0"/>
+                      </a:endParaRPr>
+                    </a:p>
+                  </a:txBody>
+                  <a:tcPr>
+                    <a:lnR w="12700" cap="flat" cmpd="sng" algn="ctr">
+                      <a:solidFill>
+                        <a:schemeClr val="tx1"/>
+                      </a:solidFill>
+                      <a:prstDash val="solid"/>
+                      <a:round/>
+                      <a:headEnd type="none" w="med" len="med"/>
+                      <a:tailEnd type="none" w="med" len="med"/>
+                    </a:lnR>
+                    <a:lnT w="12700" cap="flat" cmpd="sng" algn="ctr">
+                      <a:solidFill>
+                        <a:schemeClr val="tx1"/>
+                      </a:solidFill>
+                      <a:prstDash val="solid"/>
+                      <a:round/>
+                      <a:headEnd type="none" w="med" len="med"/>
+                      <a:tailEnd type="none" w="med" len="med"/>
+                    </a:lnT>
+                  </a:tcPr>
+                </a:tc>
+                <a:extLst>
+                  <a:ext uri="{0D108BD9-81ED-4DB2-BD59-A6C34878D82A}">
+                    <a16:rowId xmlns:a16="http://schemas.microsoft.com/office/drawing/2014/main" val="446908515"/>
+                  </a:ext>
+                </a:extLst>
+              </a:tr>
+              <a:tr h="370840">
+                <a:tc>
+                  <a:txBody>
+                    <a:bodyPr/>
+                    <a:lstStyle/>
+                    <a:p>
+                      <a:pPr algn="ctr"/>
+                      <a:r>
+                        <a:rPr lang="en-US" sz="1400" dirty="0" smtClean="0">
+                          <a:latin typeface="Arial" panose="020B0604020202020204" pitchFamily="34" charset="0"/>
+                          <a:cs typeface="Arial" panose="020B0604020202020204" pitchFamily="34" charset="0"/>
+                        </a:rPr>
+                        <a:t>128.125</a:t>
+                      </a:r>
+                      <a:endParaRPr lang="en-US" sz="1400" dirty="0">
+                        <a:latin typeface="Arial" panose="020B0604020202020204" pitchFamily="34" charset="0"/>
+                        <a:cs typeface="Arial" panose="020B0604020202020204" pitchFamily="34" charset="0"/>
+                      </a:endParaRPr>
+                    </a:p>
+                  </a:txBody>
+                  <a:tcPr>
+                    <a:lnL w="12700" cap="flat" cmpd="sng" algn="ctr">
+                      <a:solidFill>
+                        <a:schemeClr val="tx1"/>
+                      </a:solidFill>
+                      <a:prstDash val="solid"/>
+                      <a:round/>
+                      <a:headEnd type="none" w="med" len="med"/>
+                      <a:tailEnd type="none" w="med" len="med"/>
+                    </a:lnL>
+                  </a:tcPr>
+                </a:tc>
+                <a:tc>
+                  <a:txBody>
+                    <a:bodyPr/>
+                    <a:lstStyle/>
+                    <a:p>
+                      <a:pPr algn="ctr"/>
+                      <a:r>
+                        <a:rPr lang="en-US" sz="1400" dirty="0" smtClean="0">
+                          <a:latin typeface="Arial" panose="020B0604020202020204" pitchFamily="34" charset="0"/>
+                          <a:cs typeface="Arial" panose="020B0604020202020204" pitchFamily="34" charset="0"/>
+                        </a:rPr>
+                        <a:t>37.325</a:t>
+                      </a:r>
+                      <a:endParaRPr lang="en-US" sz="1400" dirty="0">
+                        <a:latin typeface="Arial" panose="020B0604020202020204" pitchFamily="34" charset="0"/>
+                        <a:cs typeface="Arial" panose="020B0604020202020204" pitchFamily="34" charset="0"/>
+                      </a:endParaRPr>
+                    </a:p>
+                  </a:txBody>
+                  <a:tcPr/>
+                </a:tc>
+                <a:tc>
+                  <a:txBody>
+                    <a:bodyPr/>
+                    <a:lstStyle/>
+                    <a:p>
+                      <a:pPr algn="ctr"/>
+                      <a:r>
+                        <a:rPr lang="en-US" sz="1400" dirty="0" smtClean="0">
+                          <a:latin typeface="Arial" panose="020B0604020202020204" pitchFamily="34" charset="0"/>
+                          <a:cs typeface="Arial" panose="020B0604020202020204" pitchFamily="34" charset="0"/>
+                        </a:rPr>
+                        <a:t>1.998</a:t>
+                      </a:r>
+                      <a:endParaRPr lang="en-US" sz="1400" dirty="0">
+                        <a:latin typeface="Arial" panose="020B0604020202020204" pitchFamily="34" charset="0"/>
+                        <a:cs typeface="Arial" panose="020B0604020202020204" pitchFamily="34" charset="0"/>
+                      </a:endParaRPr>
+                    </a:p>
+                  </a:txBody>
+                  <a:tcPr>
+                    <a:lnR w="12700" cap="flat" cmpd="sng" algn="ctr">
+                      <a:solidFill>
+                        <a:schemeClr val="tx1"/>
+                      </a:solidFill>
+                      <a:prstDash val="solid"/>
+                      <a:round/>
+                      <a:headEnd type="none" w="med" len="med"/>
+                      <a:tailEnd type="none" w="med" len="med"/>
+                    </a:lnR>
+                  </a:tcPr>
+                </a:tc>
+                <a:extLst>
+                  <a:ext uri="{0D108BD9-81ED-4DB2-BD59-A6C34878D82A}">
+                    <a16:rowId xmlns:a16="http://schemas.microsoft.com/office/drawing/2014/main" val="507371544"/>
+                  </a:ext>
+                </a:extLst>
+              </a:tr>
+              <a:tr h="370840">
+                <a:tc>
+                  <a:txBody>
+                    <a:bodyPr/>
+                    <a:lstStyle/>
+                    <a:p>
+                      <a:pPr algn="ctr"/>
+                      <a:r>
+                        <a:rPr lang="en-US" sz="1400" dirty="0" smtClean="0">
+                          <a:latin typeface="Arial" panose="020B0604020202020204" pitchFamily="34" charset="0"/>
+                          <a:cs typeface="Arial" panose="020B0604020202020204" pitchFamily="34" charset="0"/>
+                        </a:rPr>
+                        <a:t>81.406</a:t>
+                      </a:r>
+                      <a:endParaRPr lang="en-US" sz="1400" dirty="0">
+                        <a:latin typeface="Arial" panose="020B0604020202020204" pitchFamily="34" charset="0"/>
+                        <a:cs typeface="Arial" panose="020B0604020202020204" pitchFamily="34" charset="0"/>
+                      </a:endParaRPr>
+                    </a:p>
+                  </a:txBody>
+                  <a:tcPr>
+                    <a:lnL w="12700" cap="flat" cmpd="sng" algn="ctr">
+                      <a:solidFill>
+                        <a:schemeClr val="tx1"/>
+                      </a:solidFill>
+                      <a:prstDash val="solid"/>
+                      <a:round/>
+                      <a:headEnd type="none" w="med" len="med"/>
+                      <a:tailEnd type="none" w="med" len="med"/>
+                    </a:lnL>
+                  </a:tcPr>
+                </a:tc>
+                <a:tc>
+                  <a:txBody>
+                    <a:bodyPr/>
+                    <a:lstStyle/>
+                    <a:p>
+                      <a:pPr algn="ctr"/>
+                      <a:r>
+                        <a:rPr lang="en-US" sz="1400" dirty="0" smtClean="0">
+                          <a:latin typeface="Arial" panose="020B0604020202020204" pitchFamily="34" charset="0"/>
+                          <a:cs typeface="Arial" panose="020B0604020202020204" pitchFamily="34" charset="0"/>
+                        </a:rPr>
+                        <a:t>36.135</a:t>
+                      </a:r>
+                      <a:endParaRPr lang="en-US" sz="1400" dirty="0">
+                        <a:latin typeface="Arial" panose="020B0604020202020204" pitchFamily="34" charset="0"/>
+                        <a:cs typeface="Arial" panose="020B0604020202020204" pitchFamily="34" charset="0"/>
+                      </a:endParaRPr>
+                    </a:p>
+                  </a:txBody>
+                  <a:tcPr/>
+                </a:tc>
+                <a:tc>
+                  <a:txBody>
+                    <a:bodyPr/>
+                    <a:lstStyle/>
+                    <a:p>
+                      <a:pPr algn="ctr"/>
+                      <a:r>
+                        <a:rPr lang="en-US" sz="1400" dirty="0" smtClean="0">
+                          <a:latin typeface="Arial" panose="020B0604020202020204" pitchFamily="34" charset="0"/>
+                          <a:cs typeface="Arial" panose="020B0604020202020204" pitchFamily="34" charset="0"/>
+                        </a:rPr>
+                        <a:t>3.145</a:t>
+                      </a:r>
+                      <a:endParaRPr lang="en-US" sz="1400" dirty="0">
+                        <a:latin typeface="Arial" panose="020B0604020202020204" pitchFamily="34" charset="0"/>
+                        <a:cs typeface="Arial" panose="020B0604020202020204" pitchFamily="34" charset="0"/>
+                      </a:endParaRPr>
+                    </a:p>
+                  </a:txBody>
+                  <a:tcPr>
+                    <a:lnR w="12700" cap="flat" cmpd="sng" algn="ctr">
+                      <a:solidFill>
+                        <a:schemeClr val="tx1"/>
+                      </a:solidFill>
+                      <a:prstDash val="solid"/>
+                      <a:round/>
+                      <a:headEnd type="none" w="med" len="med"/>
+                      <a:tailEnd type="none" w="med" len="med"/>
+                    </a:lnR>
+                  </a:tcPr>
+                </a:tc>
+                <a:extLst>
+                  <a:ext uri="{0D108BD9-81ED-4DB2-BD59-A6C34878D82A}">
+                    <a16:rowId xmlns:a16="http://schemas.microsoft.com/office/drawing/2014/main" val="3188019479"/>
+                  </a:ext>
+                </a:extLst>
+              </a:tr>
+              <a:tr h="370840">
+                <a:tc>
+                  <a:txBody>
+                    <a:bodyPr/>
+                    <a:lstStyle/>
+                    <a:p>
+                      <a:pPr algn="ctr"/>
+                      <a:r>
+                        <a:rPr lang="en-US" sz="1400" dirty="0" smtClean="0">
+                          <a:latin typeface="Arial" panose="020B0604020202020204" pitchFamily="34" charset="0"/>
+                          <a:cs typeface="Arial" panose="020B0604020202020204" pitchFamily="34" charset="0"/>
+                        </a:rPr>
+                        <a:t>32.125</a:t>
+                      </a:r>
+                      <a:endParaRPr lang="en-US" sz="1400" dirty="0">
+                        <a:latin typeface="Arial" panose="020B0604020202020204" pitchFamily="34" charset="0"/>
+                        <a:cs typeface="Arial" panose="020B0604020202020204" pitchFamily="34" charset="0"/>
+                      </a:endParaRPr>
+                    </a:p>
+                  </a:txBody>
+                  <a:tcPr>
+                    <a:lnL w="12700" cap="flat" cmpd="sng" algn="ctr">
+                      <a:solidFill>
+                        <a:schemeClr val="tx1"/>
+                      </a:solidFill>
+                      <a:prstDash val="solid"/>
+                      <a:round/>
+                      <a:headEnd type="none" w="med" len="med"/>
+                      <a:tailEnd type="none" w="med" len="med"/>
+                    </a:lnL>
+                  </a:tcPr>
+                </a:tc>
+                <a:tc>
+                  <a:txBody>
+                    <a:bodyPr/>
+                    <a:lstStyle/>
+                    <a:p>
+                      <a:pPr algn="ctr"/>
+                      <a:r>
+                        <a:rPr lang="en-US" sz="1400" dirty="0" smtClean="0">
+                          <a:latin typeface="Arial" panose="020B0604020202020204" pitchFamily="34" charset="0"/>
+                          <a:cs typeface="Arial" panose="020B0604020202020204" pitchFamily="34" charset="0"/>
+                        </a:rPr>
+                        <a:t>34.257</a:t>
+                      </a:r>
+                      <a:endParaRPr lang="en-US" sz="1400" dirty="0">
+                        <a:latin typeface="Arial" panose="020B0604020202020204" pitchFamily="34" charset="0"/>
+                        <a:cs typeface="Arial" panose="020B0604020202020204" pitchFamily="34" charset="0"/>
+                      </a:endParaRPr>
+                    </a:p>
+                  </a:txBody>
+                  <a:tcPr/>
+                </a:tc>
+                <a:tc>
+                  <a:txBody>
+                    <a:bodyPr/>
+                    <a:lstStyle/>
+                    <a:p>
+                      <a:pPr algn="ctr"/>
+                      <a:r>
+                        <a:rPr lang="en-US" sz="1400" dirty="0" smtClean="0">
+                          <a:latin typeface="Arial" panose="020B0604020202020204" pitchFamily="34" charset="0"/>
+                          <a:cs typeface="Arial" panose="020B0604020202020204" pitchFamily="34" charset="0"/>
+                        </a:rPr>
+                        <a:t>7.969</a:t>
+                      </a:r>
+                      <a:endParaRPr lang="en-US" sz="1400" dirty="0">
+                        <a:latin typeface="Arial" panose="020B0604020202020204" pitchFamily="34" charset="0"/>
+                        <a:cs typeface="Arial" panose="020B0604020202020204" pitchFamily="34" charset="0"/>
+                      </a:endParaRPr>
+                    </a:p>
+                  </a:txBody>
+                  <a:tcPr>
+                    <a:lnR w="12700" cap="flat" cmpd="sng" algn="ctr">
+                      <a:solidFill>
+                        <a:schemeClr val="tx1"/>
+                      </a:solidFill>
+                      <a:prstDash val="solid"/>
+                      <a:round/>
+                      <a:headEnd type="none" w="med" len="med"/>
+                      <a:tailEnd type="none" w="med" len="med"/>
+                    </a:lnR>
+                  </a:tcPr>
+                </a:tc>
+                <a:extLst>
+                  <a:ext uri="{0D108BD9-81ED-4DB2-BD59-A6C34878D82A}">
+                    <a16:rowId xmlns:a16="http://schemas.microsoft.com/office/drawing/2014/main" val="698300493"/>
+                  </a:ext>
+                </a:extLst>
+              </a:tr>
+              <a:tr h="370840">
+                <a:tc>
+                  <a:txBody>
+                    <a:bodyPr/>
+                    <a:lstStyle/>
+                    <a:p>
+                      <a:pPr algn="ctr"/>
+                      <a:r>
+                        <a:rPr lang="en-US" sz="1400" dirty="0" smtClean="0">
+                          <a:latin typeface="Arial" panose="020B0604020202020204" pitchFamily="34" charset="0"/>
+                          <a:cs typeface="Arial" panose="020B0604020202020204" pitchFamily="34" charset="0"/>
+                        </a:rPr>
+                        <a:t>20.445</a:t>
+                      </a:r>
+                      <a:endParaRPr lang="en-US" sz="1400" dirty="0">
+                        <a:latin typeface="Arial" panose="020B0604020202020204" pitchFamily="34" charset="0"/>
+                        <a:cs typeface="Arial" panose="020B0604020202020204" pitchFamily="34" charset="0"/>
+                      </a:endParaRPr>
+                    </a:p>
+                  </a:txBody>
+                  <a:tcPr>
+                    <a:lnL w="12700" cap="flat" cmpd="sng" algn="ctr">
+                      <a:solidFill>
+                        <a:schemeClr val="tx1"/>
+                      </a:solidFill>
+                      <a:prstDash val="solid"/>
+                      <a:round/>
+                      <a:headEnd type="none" w="med" len="med"/>
+                      <a:tailEnd type="none" w="med" len="med"/>
+                    </a:lnL>
+                    <a:lnB w="12700" cap="flat" cmpd="sng" algn="ctr">
+                      <a:solidFill>
+                        <a:schemeClr val="tx1"/>
+                      </a:solidFill>
+                      <a:prstDash val="solid"/>
+                      <a:round/>
+                      <a:headEnd type="none" w="med" len="med"/>
+                      <a:tailEnd type="none" w="med" len="med"/>
+                    </a:lnB>
+                  </a:tcPr>
+                </a:tc>
+                <a:tc>
+                  <a:txBody>
+                    <a:bodyPr/>
+                    <a:lstStyle/>
+                    <a:p>
+                      <a:pPr algn="ctr"/>
+                      <a:r>
+                        <a:rPr lang="en-US" sz="1400" dirty="0" smtClean="0">
+                          <a:latin typeface="Arial" panose="020B0604020202020204" pitchFamily="34" charset="0"/>
+                          <a:cs typeface="Arial" panose="020B0604020202020204" pitchFamily="34" charset="0"/>
+                        </a:rPr>
+                        <a:t>31.368</a:t>
+                      </a:r>
+                      <a:endParaRPr lang="en-US" sz="1400" dirty="0">
+                        <a:latin typeface="Arial" panose="020B0604020202020204" pitchFamily="34" charset="0"/>
+                        <a:cs typeface="Arial" panose="020B0604020202020204" pitchFamily="34" charset="0"/>
+                      </a:endParaRPr>
+                    </a:p>
+                  </a:txBody>
+                  <a:tcPr>
+                    <a:lnB w="12700" cap="flat" cmpd="sng" algn="ctr">
+                      <a:solidFill>
+                        <a:schemeClr val="tx1"/>
+                      </a:solidFill>
+                      <a:prstDash val="solid"/>
+                      <a:round/>
+                      <a:headEnd type="none" w="med" len="med"/>
+                      <a:tailEnd type="none" w="med" len="med"/>
+                    </a:lnB>
+                  </a:tcPr>
+                </a:tc>
+                <a:tc>
+                  <a:txBody>
+                    <a:bodyPr/>
+                    <a:lstStyle/>
+                    <a:p>
+                      <a:pPr algn="ctr"/>
+                      <a:r>
+                        <a:rPr lang="en-US" sz="1400" dirty="0" smtClean="0">
+                          <a:latin typeface="Arial" panose="020B0604020202020204" pitchFamily="34" charset="0"/>
+                          <a:cs typeface="Arial" panose="020B0604020202020204" pitchFamily="34" charset="0"/>
+                        </a:rPr>
+                        <a:t>12.521</a:t>
+                      </a:r>
+                      <a:endParaRPr lang="en-US" sz="1400" dirty="0">
+                        <a:latin typeface="Arial" panose="020B0604020202020204" pitchFamily="34" charset="0"/>
+                        <a:cs typeface="Arial" panose="020B0604020202020204" pitchFamily="34" charset="0"/>
+                      </a:endParaRPr>
+                    </a:p>
+                  </a:txBody>
+                  <a:tcPr>
+                    <a:lnR w="12700" cap="flat" cmpd="sng" algn="ctr">
+                      <a:solidFill>
+                        <a:schemeClr val="tx1"/>
+                      </a:solidFill>
+                      <a:prstDash val="solid"/>
+                      <a:round/>
+                      <a:headEnd type="none" w="med" len="med"/>
+                      <a:tailEnd type="none" w="med" len="med"/>
+                    </a:lnR>
+                    <a:lnB w="12700" cap="flat" cmpd="sng" algn="ctr">
+                      <a:solidFill>
+                        <a:schemeClr val="tx1"/>
+                      </a:solidFill>
+                      <a:prstDash val="solid"/>
+                      <a:round/>
+                      <a:headEnd type="none" w="med" len="med"/>
+                      <a:tailEnd type="none" w="med" len="med"/>
+                    </a:lnB>
+                  </a:tcPr>
+                </a:tc>
+                <a:extLst>
+                  <a:ext uri="{0D108BD9-81ED-4DB2-BD59-A6C34878D82A}">
+                    <a16:rowId xmlns:a16="http://schemas.microsoft.com/office/drawing/2014/main" val="1996066408"/>
+                  </a:ext>
+                </a:extLst>
+              </a:tr>
+            </a:tbl>
+          </a:graphicData>
+        </a:graphic>
+      </p:graphicFrame>
+      <p:pic>
+        <p:nvPicPr>
+          <p:cNvPr id="7" name="Picture 6"/>
+          <p:cNvPicPr>
+            <a:picLocks noChangeAspect="1"/>
+          </p:cNvPicPr>
+          <p:nvPr/>
+        </p:nvPicPr>
+        <p:blipFill>
+          <a:blip r:embed="rId2">
+            <a:extLst>
+              <a:ext uri="{28A0092B-C50C-407E-A947-70E740481C1C}">
+                <a14:useLocalDpi xmlns:a14="http://schemas.microsoft.com/office/drawing/2010/main" val="0"/>
+              </a:ext>
+            </a:extLst>
+          </a:blip>
+          <a:stretch>
+            <a:fillRect/>
+          </a:stretch>
+        </p:blipFill>
+        <p:spPr>
+          <a:xfrm>
+            <a:off x="1316867" y="3043561"/>
+            <a:ext cx="6510267" cy="3806246"/>
+          </a:xfrm>
+          <a:prstGeom prst="rect">
+            <a:avLst/>
+          </a:prstGeom>
+        </p:spPr>
+      </p:pic>
+    </p:spTree>
+    <p:extLst>
+      <p:ext uri="{BB962C8B-B14F-4D97-AF65-F5344CB8AC3E}">
+        <p14:creationId xmlns:p14="http://schemas.microsoft.com/office/powerpoint/2010/main" val="339457292"/>
+      </p:ext>
+    </p:extLst>
+  </p:cSld>
+  <p:clrMapOvr>
+    <a:masterClrMapping/>
+  </p:clrMapOvr>
+  <p:timing>
+    <p:tnLst>
+      <p:par>
+        <p:cTn id="1" dur="indefinite" restart="never" nodeType="tmRoot"/>
+      </p:par>
+    </p:tnLst>
+  </p:timing>
+</p:sld>
+</file>
+
+<file path=ppt/slides/slide3.xml><?xml version="1.0" encoding="utf-8"?>
 <p:sld xmlns:a="http://schemas.openxmlformats.org/drawingml/2006/main" xmlns:r="http://schemas.openxmlformats.org/officeDocument/2006/relationships" xmlns:p="http://schemas.openxmlformats.org/presentationml/2006/main">
   <p:cSld>
     <p:spTree>
@@ -3530,8 +4263,8 @@
         </p:blipFill>
         <p:spPr>
           <a:xfrm>
-            <a:off x="345280" y="3518737"/>
-            <a:ext cx="5240748" cy="3017520"/>
+            <a:off x="998760" y="1407549"/>
+            <a:ext cx="7146480" cy="4114800"/>
           </a:xfrm>
           <a:prstGeom prst="rect">
             <a:avLst/>
@@ -3543,118 +4276,15 @@
           </a:ln>
         </p:spPr>
       </p:pic>
-      <p:pic>
-        <p:nvPicPr>
-          <p:cNvPr id="3" name="Picture 2"/>
-          <p:cNvPicPr>
-            <a:picLocks noChangeAspect="1"/>
-          </p:cNvPicPr>
+      <p:sp>
+        <p:nvSpPr>
+          <p:cNvPr id="3" name="TextBox 2"/>
+          <p:cNvSpPr txBox="1"/>
           <p:nvPr/>
-        </p:nvPicPr>
-        <p:blipFill>
-          <a:blip r:embed="rId3">
-            <a:extLst>
-              <a:ext uri="{28A0092B-C50C-407E-A947-70E740481C1C}">
-                <a14:useLocalDpi xmlns:a14="http://schemas.microsoft.com/office/drawing/2010/main" val="0"/>
-              </a:ext>
-            </a:extLst>
-          </a:blip>
-          <a:stretch>
-            <a:fillRect/>
-          </a:stretch>
-        </p:blipFill>
+        </p:nvSpPr>
         <p:spPr>
           <a:xfrm>
-            <a:off x="2965654" y="309490"/>
-            <a:ext cx="6052766" cy="3017520"/>
-          </a:xfrm>
-          <a:prstGeom prst="rect">
-            <a:avLst/>
-          </a:prstGeom>
-          <a:ln>
-            <a:solidFill>
-              <a:schemeClr val="tx1"/>
-            </a:solidFill>
-          </a:ln>
-        </p:spPr>
-      </p:pic>
-      <p:sp>
-        <p:nvSpPr>
-          <p:cNvPr id="4" name="TextBox 3"/>
-          <p:cNvSpPr txBox="1"/>
-          <p:nvPr/>
-        </p:nvSpPr>
-        <p:spPr>
-          <a:xfrm>
-            <a:off x="324606" y="1633584"/>
-            <a:ext cx="2593723" cy="861774"/>
-          </a:xfrm>
-          <a:prstGeom prst="rect">
-            <a:avLst/>
-          </a:prstGeom>
-          <a:noFill/>
-        </p:spPr>
-        <p:txBody>
-          <a:bodyPr wrap="none" rtlCol="0">
-            <a:spAutoFit/>
-          </a:bodyPr>
-          <a:lstStyle/>
-          <a:p>
-            <a:pPr algn="ctr"/>
-            <a:r>
-              <a:rPr lang="en-US" b="1" dirty="0" smtClean="0">
-                <a:latin typeface="Calibri" panose="020F0502020204030204" pitchFamily="34" charset="0"/>
-                <a:cs typeface="Calibri" panose="020F0502020204030204" pitchFamily="34" charset="0"/>
-              </a:rPr>
-              <a:t>The MSE and PSNR </a:t>
-            </a:r>
-            <a:r>
-              <a:rPr lang="en-US" b="1" dirty="0" smtClean="0">
-                <a:latin typeface="Calibri" panose="020F0502020204030204" pitchFamily="34" charset="0"/>
-                <a:cs typeface="Calibri" panose="020F0502020204030204" pitchFamily="34" charset="0"/>
-              </a:rPr>
-              <a:t>graph</a:t>
-            </a:r>
-            <a:endParaRPr lang="vi-VN" b="1" dirty="0" smtClean="0">
-              <a:latin typeface="Calibri" panose="020F0502020204030204" pitchFamily="34" charset="0"/>
-              <a:cs typeface="Calibri" panose="020F0502020204030204" pitchFamily="34" charset="0"/>
-            </a:endParaRPr>
-          </a:p>
-          <a:p>
-            <a:pPr algn="ctr"/>
-            <a:r>
-              <a:rPr lang="vi-VN" sz="1600" i="1" dirty="0" smtClean="0">
-                <a:latin typeface="Calibri" panose="020F0502020204030204" pitchFamily="34" charset="0"/>
-                <a:cs typeface="Calibri" panose="020F0502020204030204" pitchFamily="34" charset="0"/>
-              </a:rPr>
-              <a:t>(gaussian percent = 50%,</a:t>
-            </a:r>
-          </a:p>
-          <a:p>
-            <a:pPr algn="ctr"/>
-            <a:r>
-              <a:rPr lang="vi-VN" sz="1600" i="1" dirty="0" smtClean="0">
-                <a:latin typeface="Calibri" panose="020F0502020204030204" pitchFamily="34" charset="0"/>
-                <a:cs typeface="Calibri" panose="020F0502020204030204" pitchFamily="34" charset="0"/>
-              </a:rPr>
-              <a:t>arithmetic block = 4)</a:t>
-            </a:r>
-            <a:endParaRPr lang="en-US" sz="1600" i="1" dirty="0">
-              <a:latin typeface="Calibri" panose="020F0502020204030204" pitchFamily="34" charset="0"/>
-              <a:cs typeface="Calibri" panose="020F0502020204030204" pitchFamily="34" charset="0"/>
-            </a:endParaRPr>
-          </a:p>
-        </p:txBody>
-      </p:sp>
-      <p:sp>
-        <p:nvSpPr>
-          <p:cNvPr id="5" name="TextBox 4"/>
-          <p:cNvSpPr txBox="1"/>
-          <p:nvPr/>
-        </p:nvSpPr>
-        <p:spPr>
-          <a:xfrm>
-            <a:off x="5770005" y="4842831"/>
+            <a:off x="460878" y="835608"/>
             <a:ext cx="2220480" cy="369332"/>
           </a:xfrm>
           <a:prstGeom prst="rect">
@@ -3700,7 +4330,7 @@
     </p:spTree>
     <p:extLst>
       <p:ext uri="{BB962C8B-B14F-4D97-AF65-F5344CB8AC3E}">
-        <p14:creationId xmlns:p14="http://schemas.microsoft.com/office/powerpoint/2010/main" val="339457292"/>
+        <p14:creationId xmlns:p14="http://schemas.microsoft.com/office/powerpoint/2010/main" val="192245719"/>
       </p:ext>
     </p:extLst>
   </p:cSld>
